--- a/slides/On-Campus/03_03_JavaDocs_UML.pptx
+++ b/slides/On-Campus/03_03_JavaDocs_UML.pptx
@@ -141,344 +141,29 @@
 <pc:chgInfo xmlns:a="http://schemas.openxmlformats.org/drawingml/2006/main" xmlns:r="http://schemas.openxmlformats.org/officeDocument/2006/relationships" xmlns:ac="http://schemas.microsoft.com/office/drawing/2013/main/command" xmlns:pc="http://schemas.microsoft.com/office/powerpoint/2013/main/command">
   <pc:docChgLst>
     <pc:chgData name="Moraes,Marcia" userId="c9c67e8a-58e2-4733-9a1c-5d44fec4775b" providerId="ADAL" clId="{E9362D46-B5E5-4089-AB1A-CDFE8C76C608}"/>
-    <pc:docChg chg="undo custSel addSld delSld modSld sldOrd modMainMaster">
-      <pc:chgData name="Moraes,Marcia" userId="c9c67e8a-58e2-4733-9a1c-5d44fec4775b" providerId="ADAL" clId="{E9362D46-B5E5-4089-AB1A-CDFE8C76C608}" dt="2023-02-03T04:55:07.435" v="543" actId="20577"/>
+  </pc:docChgLst>
+  <pc:docChgLst>
+    <pc:chgData name="Marcia Moraes" userId="c9c67e8a-58e2-4733-9a1c-5d44fec4775b" providerId="ADAL" clId="{AC920988-417D-4E15-90B7-78F66CD11E63}"/>
+    <pc:docChg chg="modSld">
+      <pc:chgData name="Marcia Moraes" userId="c9c67e8a-58e2-4733-9a1c-5d44fec4775b" providerId="ADAL" clId="{AC920988-417D-4E15-90B7-78F66CD11E63}" dt="2023-08-10T23:56:25.713" v="50" actId="14100"/>
       <pc:docMkLst>
         <pc:docMk/>
       </pc:docMkLst>
       <pc:sldChg chg="modSp">
-        <pc:chgData name="Moraes,Marcia" userId="c9c67e8a-58e2-4733-9a1c-5d44fec4775b" providerId="ADAL" clId="{E9362D46-B5E5-4089-AB1A-CDFE8C76C608}" dt="2023-02-03T04:27:08.097" v="15" actId="20577"/>
-        <pc:sldMkLst>
-          <pc:docMk/>
-          <pc:sldMk cId="661209559" sldId="256"/>
-        </pc:sldMkLst>
-        <pc:spChg chg="mod">
-          <ac:chgData name="Moraes,Marcia" userId="c9c67e8a-58e2-4733-9a1c-5d44fec4775b" providerId="ADAL" clId="{E9362D46-B5E5-4089-AB1A-CDFE8C76C608}" dt="2023-02-03T04:27:08.097" v="15" actId="20577"/>
-          <ac:spMkLst>
-            <pc:docMk/>
-            <pc:sldMk cId="661209559" sldId="256"/>
-            <ac:spMk id="4" creationId="{36830EDF-82C3-4D4E-8F52-61F2DB42DA11}"/>
-          </ac:spMkLst>
-        </pc:spChg>
-      </pc:sldChg>
-      <pc:sldChg chg="addSp modSp ord">
-        <pc:chgData name="Moraes,Marcia" userId="c9c67e8a-58e2-4733-9a1c-5d44fec4775b" providerId="ADAL" clId="{E9362D46-B5E5-4089-AB1A-CDFE8C76C608}" dt="2023-02-03T04:47:18.139" v="198"/>
-        <pc:sldMkLst>
-          <pc:docMk/>
-          <pc:sldMk cId="1275301215" sldId="257"/>
-        </pc:sldMkLst>
-        <pc:spChg chg="mod">
-          <ac:chgData name="Moraes,Marcia" userId="c9c67e8a-58e2-4733-9a1c-5d44fec4775b" providerId="ADAL" clId="{E9362D46-B5E5-4089-AB1A-CDFE8C76C608}" dt="2023-02-03T04:37:29.998" v="81" actId="20577"/>
-          <ac:spMkLst>
-            <pc:docMk/>
-            <pc:sldMk cId="1275301215" sldId="257"/>
-            <ac:spMk id="2" creationId="{EF0E79EF-E8E9-1646-832F-14E5A9FBF28B}"/>
-          </ac:spMkLst>
-        </pc:spChg>
-        <pc:spChg chg="mod">
-          <ac:chgData name="Moraes,Marcia" userId="c9c67e8a-58e2-4733-9a1c-5d44fec4775b" providerId="ADAL" clId="{E9362D46-B5E5-4089-AB1A-CDFE8C76C608}" dt="2023-02-03T04:39:51.357" v="88" actId="255"/>
-          <ac:spMkLst>
-            <pc:docMk/>
-            <pc:sldMk cId="1275301215" sldId="257"/>
-            <ac:spMk id="3" creationId="{805BD08A-2EFA-AB4D-8082-F50005A485A8}"/>
-          </ac:spMkLst>
-        </pc:spChg>
-        <pc:picChg chg="add mod">
-          <ac:chgData name="Moraes,Marcia" userId="c9c67e8a-58e2-4733-9a1c-5d44fec4775b" providerId="ADAL" clId="{E9362D46-B5E5-4089-AB1A-CDFE8C76C608}" dt="2023-02-03T04:39:44.702" v="87" actId="1076"/>
-          <ac:picMkLst>
-            <pc:docMk/>
-            <pc:sldMk cId="1275301215" sldId="257"/>
-            <ac:picMk id="4" creationId="{57CB09AE-8957-4718-82CF-9D219980DB5C}"/>
-          </ac:picMkLst>
-        </pc:picChg>
-      </pc:sldChg>
-      <pc:sldChg chg="del">
-        <pc:chgData name="Moraes,Marcia" userId="c9c67e8a-58e2-4733-9a1c-5d44fec4775b" providerId="ADAL" clId="{E9362D46-B5E5-4089-AB1A-CDFE8C76C608}" dt="2023-02-03T04:43:36.471" v="144" actId="2696"/>
-        <pc:sldMkLst>
-          <pc:docMk/>
-          <pc:sldMk cId="2394284434" sldId="258"/>
-        </pc:sldMkLst>
-      </pc:sldChg>
-      <pc:sldChg chg="del">
-        <pc:chgData name="Moraes,Marcia" userId="c9c67e8a-58e2-4733-9a1c-5d44fec4775b" providerId="ADAL" clId="{E9362D46-B5E5-4089-AB1A-CDFE8C76C608}" dt="2023-02-03T04:43:36.481" v="145" actId="2696"/>
-        <pc:sldMkLst>
-          <pc:docMk/>
-          <pc:sldMk cId="740951312" sldId="259"/>
-        </pc:sldMkLst>
-      </pc:sldChg>
-      <pc:sldChg chg="del">
-        <pc:chgData name="Moraes,Marcia" userId="c9c67e8a-58e2-4733-9a1c-5d44fec4775b" providerId="ADAL" clId="{E9362D46-B5E5-4089-AB1A-CDFE8C76C608}" dt="2023-02-03T04:43:36.508" v="147" actId="2696"/>
-        <pc:sldMkLst>
-          <pc:docMk/>
-          <pc:sldMk cId="1692927895" sldId="260"/>
-        </pc:sldMkLst>
-      </pc:sldChg>
-      <pc:sldChg chg="del">
-        <pc:chgData name="Moraes,Marcia" userId="c9c67e8a-58e2-4733-9a1c-5d44fec4775b" providerId="ADAL" clId="{E9362D46-B5E5-4089-AB1A-CDFE8C76C608}" dt="2023-02-03T04:43:36.585" v="153" actId="2696"/>
-        <pc:sldMkLst>
-          <pc:docMk/>
-          <pc:sldMk cId="4045076339" sldId="261"/>
-        </pc:sldMkLst>
-      </pc:sldChg>
-      <pc:sldChg chg="del">
-        <pc:chgData name="Moraes,Marcia" userId="c9c67e8a-58e2-4733-9a1c-5d44fec4775b" providerId="ADAL" clId="{E9362D46-B5E5-4089-AB1A-CDFE8C76C608}" dt="2023-02-03T04:43:36.594" v="154" actId="2696"/>
-        <pc:sldMkLst>
-          <pc:docMk/>
-          <pc:sldMk cId="809906215" sldId="262"/>
-        </pc:sldMkLst>
-      </pc:sldChg>
-      <pc:sldChg chg="del">
-        <pc:chgData name="Moraes,Marcia" userId="c9c67e8a-58e2-4733-9a1c-5d44fec4775b" providerId="ADAL" clId="{E9362D46-B5E5-4089-AB1A-CDFE8C76C608}" dt="2023-02-03T04:43:36.566" v="151" actId="2696"/>
-        <pc:sldMkLst>
-          <pc:docMk/>
-          <pc:sldMk cId="1000839727" sldId="264"/>
-        </pc:sldMkLst>
-      </pc:sldChg>
-      <pc:sldChg chg="delSp modSp del">
-        <pc:chgData name="Moraes,Marcia" userId="c9c67e8a-58e2-4733-9a1c-5d44fec4775b" providerId="ADAL" clId="{E9362D46-B5E5-4089-AB1A-CDFE8C76C608}" dt="2023-02-03T04:37:21.366" v="73" actId="2696"/>
-        <pc:sldMkLst>
-          <pc:docMk/>
-          <pc:sldMk cId="2507887538" sldId="265"/>
-        </pc:sldMkLst>
-        <pc:spChg chg="mod">
-          <ac:chgData name="Moraes,Marcia" userId="c9c67e8a-58e2-4733-9a1c-5d44fec4775b" providerId="ADAL" clId="{E9362D46-B5E5-4089-AB1A-CDFE8C76C608}" dt="2023-02-03T04:37:01.631" v="69" actId="6549"/>
-          <ac:spMkLst>
-            <pc:docMk/>
-            <pc:sldMk cId="2507887538" sldId="265"/>
-            <ac:spMk id="3" creationId="{F4A39FDE-C1FA-454F-884A-B993725E2EF5}"/>
-          </ac:spMkLst>
-        </pc:spChg>
-        <pc:spChg chg="del">
-          <ac:chgData name="Moraes,Marcia" userId="c9c67e8a-58e2-4733-9a1c-5d44fec4775b" providerId="ADAL" clId="{E9362D46-B5E5-4089-AB1A-CDFE8C76C608}" dt="2023-02-03T04:37:03.007" v="70" actId="478"/>
-          <ac:spMkLst>
-            <pc:docMk/>
-            <pc:sldMk cId="2507887538" sldId="265"/>
-            <ac:spMk id="4" creationId="{36825D35-2585-4794-8AF8-2F10859DC8CF}"/>
-          </ac:spMkLst>
-        </pc:spChg>
-        <pc:spChg chg="del">
-          <ac:chgData name="Moraes,Marcia" userId="c9c67e8a-58e2-4733-9a1c-5d44fec4775b" providerId="ADAL" clId="{E9362D46-B5E5-4089-AB1A-CDFE8C76C608}" dt="2023-02-03T04:36:57.388" v="68" actId="478"/>
-          <ac:spMkLst>
-            <pc:docMk/>
-            <pc:sldMk cId="2507887538" sldId="265"/>
-            <ac:spMk id="6" creationId="{CD1A2BF2-75E8-450A-948B-5F0E819DECA1}"/>
-          </ac:spMkLst>
-        </pc:spChg>
-      </pc:sldChg>
-      <pc:sldChg chg="del">
-        <pc:chgData name="Moraes,Marcia" userId="c9c67e8a-58e2-4733-9a1c-5d44fec4775b" providerId="ADAL" clId="{E9362D46-B5E5-4089-AB1A-CDFE8C76C608}" dt="2023-02-03T04:43:36.486" v="146" actId="2696"/>
-        <pc:sldMkLst>
-          <pc:docMk/>
-          <pc:sldMk cId="202948957" sldId="266"/>
-        </pc:sldMkLst>
-      </pc:sldChg>
-      <pc:sldChg chg="del">
-        <pc:chgData name="Moraes,Marcia" userId="c9c67e8a-58e2-4733-9a1c-5d44fec4775b" providerId="ADAL" clId="{E9362D46-B5E5-4089-AB1A-CDFE8C76C608}" dt="2023-02-03T04:43:36.526" v="148" actId="2696"/>
-        <pc:sldMkLst>
-          <pc:docMk/>
-          <pc:sldMk cId="1590345072" sldId="267"/>
-        </pc:sldMkLst>
-      </pc:sldChg>
-      <pc:sldChg chg="del">
-        <pc:chgData name="Moraes,Marcia" userId="c9c67e8a-58e2-4733-9a1c-5d44fec4775b" providerId="ADAL" clId="{E9362D46-B5E5-4089-AB1A-CDFE8C76C608}" dt="2023-02-03T04:43:36.578" v="152" actId="2696"/>
-        <pc:sldMkLst>
-          <pc:docMk/>
-          <pc:sldMk cId="2143134772" sldId="268"/>
-        </pc:sldMkLst>
-      </pc:sldChg>
-      <pc:sldChg chg="addSp delSp modSp">
-        <pc:chgData name="Moraes,Marcia" userId="c9c67e8a-58e2-4733-9a1c-5d44fec4775b" providerId="ADAL" clId="{E9362D46-B5E5-4089-AB1A-CDFE8C76C608}" dt="2023-02-03T04:42:53.865" v="143" actId="20577"/>
+        <pc:chgData name="Marcia Moraes" userId="c9c67e8a-58e2-4733-9a1c-5d44fec4775b" providerId="ADAL" clId="{AC920988-417D-4E15-90B7-78F66CD11E63}" dt="2023-08-10T23:56:25.713" v="50" actId="14100"/>
         <pc:sldMkLst>
           <pc:docMk/>
           <pc:sldMk cId="876244202" sldId="270"/>
         </pc:sldMkLst>
-        <pc:spChg chg="add mod">
-          <ac:chgData name="Moraes,Marcia" userId="c9c67e8a-58e2-4733-9a1c-5d44fec4775b" providerId="ADAL" clId="{E9362D46-B5E5-4089-AB1A-CDFE8C76C608}" dt="2023-02-03T04:35:25.229" v="38" actId="1076"/>
-          <ac:spMkLst>
-            <pc:docMk/>
-            <pc:sldMk cId="876244202" sldId="270"/>
-            <ac:spMk id="3" creationId="{141E6943-725F-4D34-8231-46CB2E06EB9B}"/>
-          </ac:spMkLst>
-        </pc:spChg>
         <pc:spChg chg="mod">
-          <ac:chgData name="Moraes,Marcia" userId="c9c67e8a-58e2-4733-9a1c-5d44fec4775b" providerId="ADAL" clId="{E9362D46-B5E5-4089-AB1A-CDFE8C76C608}" dt="2023-02-03T04:42:53.865" v="143" actId="20577"/>
+          <ac:chgData name="Marcia Moraes" userId="c9c67e8a-58e2-4733-9a1c-5d44fec4775b" providerId="ADAL" clId="{AC920988-417D-4E15-90B7-78F66CD11E63}" dt="2023-08-10T23:56:25.713" v="50" actId="14100"/>
           <ac:spMkLst>
             <pc:docMk/>
             <pc:sldMk cId="876244202" sldId="270"/>
             <ac:spMk id="5" creationId="{D45B7610-981A-7441-A483-AB5BABDA0AB4}"/>
           </ac:spMkLst>
         </pc:spChg>
-        <pc:picChg chg="add del">
-          <ac:chgData name="Moraes,Marcia" userId="c9c67e8a-58e2-4733-9a1c-5d44fec4775b" providerId="ADAL" clId="{E9362D46-B5E5-4089-AB1A-CDFE8C76C608}" dt="2023-02-03T04:29:27.976" v="29" actId="478"/>
-          <ac:picMkLst>
-            <pc:docMk/>
-            <pc:sldMk cId="876244202" sldId="270"/>
-            <ac:picMk id="2" creationId="{4368126B-7E3A-49E3-9750-5F6F4337188B}"/>
-          </ac:picMkLst>
-        </pc:picChg>
-        <pc:picChg chg="del">
-          <ac:chgData name="Moraes,Marcia" userId="c9c67e8a-58e2-4733-9a1c-5d44fec4775b" providerId="ADAL" clId="{E9362D46-B5E5-4089-AB1A-CDFE8C76C608}" dt="2023-02-03T04:29:24.363" v="27" actId="478"/>
-          <ac:picMkLst>
-            <pc:docMk/>
-            <pc:sldMk cId="876244202" sldId="270"/>
-            <ac:picMk id="1026" creationId="{082F6A33-DC04-4150-B5D5-173C044C1952}"/>
-          </ac:picMkLst>
-        </pc:picChg>
-        <pc:picChg chg="add mod">
-          <ac:chgData name="Moraes,Marcia" userId="c9c67e8a-58e2-4733-9a1c-5d44fec4775b" providerId="ADAL" clId="{E9362D46-B5E5-4089-AB1A-CDFE8C76C608}" dt="2023-02-03T04:34:48.622" v="34" actId="1076"/>
-          <ac:picMkLst>
-            <pc:docMk/>
-            <pc:sldMk cId="876244202" sldId="270"/>
-            <ac:picMk id="1028" creationId="{D021C0A9-93E8-4158-A1D1-BD8704009D21}"/>
-          </ac:picMkLst>
-        </pc:picChg>
       </pc:sldChg>
-      <pc:sldChg chg="del">
-        <pc:chgData name="Moraes,Marcia" userId="c9c67e8a-58e2-4733-9a1c-5d44fec4775b" providerId="ADAL" clId="{E9362D46-B5E5-4089-AB1A-CDFE8C76C608}" dt="2023-02-03T04:37:23.013" v="74" actId="2696"/>
-        <pc:sldMkLst>
-          <pc:docMk/>
-          <pc:sldMk cId="970054584" sldId="271"/>
-        </pc:sldMkLst>
-      </pc:sldChg>
-      <pc:sldChg chg="del">
-        <pc:chgData name="Moraes,Marcia" userId="c9c67e8a-58e2-4733-9a1c-5d44fec4775b" providerId="ADAL" clId="{E9362D46-B5E5-4089-AB1A-CDFE8C76C608}" dt="2023-02-03T04:43:36.543" v="149" actId="2696"/>
-        <pc:sldMkLst>
-          <pc:docMk/>
-          <pc:sldMk cId="2362288766" sldId="272"/>
-        </pc:sldMkLst>
-      </pc:sldChg>
-      <pc:sldChg chg="del">
-        <pc:chgData name="Moraes,Marcia" userId="c9c67e8a-58e2-4733-9a1c-5d44fec4775b" providerId="ADAL" clId="{E9362D46-B5E5-4089-AB1A-CDFE8C76C608}" dt="2023-02-03T04:43:36.556" v="150" actId="2696"/>
-        <pc:sldMkLst>
-          <pc:docMk/>
-          <pc:sldMk cId="1151124315" sldId="273"/>
-        </pc:sldMkLst>
-      </pc:sldChg>
-      <pc:sldChg chg="addSp delSp modSp add">
-        <pc:chgData name="Moraes,Marcia" userId="c9c67e8a-58e2-4733-9a1c-5d44fec4775b" providerId="ADAL" clId="{E9362D46-B5E5-4089-AB1A-CDFE8C76C608}" dt="2023-02-03T04:47:07.586" v="197" actId="113"/>
-        <pc:sldMkLst>
-          <pc:docMk/>
-          <pc:sldMk cId="2485233327" sldId="274"/>
-        </pc:sldMkLst>
-        <pc:spChg chg="mod">
-          <ac:chgData name="Moraes,Marcia" userId="c9c67e8a-58e2-4733-9a1c-5d44fec4775b" providerId="ADAL" clId="{E9362D46-B5E5-4089-AB1A-CDFE8C76C608}" dt="2023-02-03T04:47:07.586" v="197" actId="113"/>
-          <ac:spMkLst>
-            <pc:docMk/>
-            <pc:sldMk cId="2485233327" sldId="274"/>
-            <ac:spMk id="3" creationId="{805BD08A-2EFA-AB4D-8082-F50005A485A8}"/>
-          </ac:spMkLst>
-        </pc:spChg>
-        <pc:picChg chg="del">
-          <ac:chgData name="Moraes,Marcia" userId="c9c67e8a-58e2-4733-9a1c-5d44fec4775b" providerId="ADAL" clId="{E9362D46-B5E5-4089-AB1A-CDFE8C76C608}" dt="2023-02-03T04:40:42.078" v="90" actId="478"/>
-          <ac:picMkLst>
-            <pc:docMk/>
-            <pc:sldMk cId="2485233327" sldId="274"/>
-            <ac:picMk id="4" creationId="{57CB09AE-8957-4718-82CF-9D219980DB5C}"/>
-          </ac:picMkLst>
-        </pc:picChg>
-        <pc:picChg chg="add mod">
-          <ac:chgData name="Moraes,Marcia" userId="c9c67e8a-58e2-4733-9a1c-5d44fec4775b" providerId="ADAL" clId="{E9362D46-B5E5-4089-AB1A-CDFE8C76C608}" dt="2023-02-03T04:46:06.289" v="157" actId="1076"/>
-          <ac:picMkLst>
-            <pc:docMk/>
-            <pc:sldMk cId="2485233327" sldId="274"/>
-            <ac:picMk id="5" creationId="{44122861-1391-4E9C-BF36-C09F15E83AEF}"/>
-          </ac:picMkLst>
-        </pc:picChg>
-      </pc:sldChg>
-      <pc:sldChg chg="addSp delSp modSp add">
-        <pc:chgData name="Moraes,Marcia" userId="c9c67e8a-58e2-4733-9a1c-5d44fec4775b" providerId="ADAL" clId="{E9362D46-B5E5-4089-AB1A-CDFE8C76C608}" dt="2023-02-03T04:52:47.045" v="271" actId="20577"/>
-        <pc:sldMkLst>
-          <pc:docMk/>
-          <pc:sldMk cId="1569308591" sldId="275"/>
-        </pc:sldMkLst>
-        <pc:spChg chg="mod">
-          <ac:chgData name="Moraes,Marcia" userId="c9c67e8a-58e2-4733-9a1c-5d44fec4775b" providerId="ADAL" clId="{E9362D46-B5E5-4089-AB1A-CDFE8C76C608}" dt="2023-02-03T04:48:31.669" v="202" actId="20577"/>
-          <ac:spMkLst>
-            <pc:docMk/>
-            <pc:sldMk cId="1569308591" sldId="275"/>
-            <ac:spMk id="2" creationId="{EF0E79EF-E8E9-1646-832F-14E5A9FBF28B}"/>
-          </ac:spMkLst>
-        </pc:spChg>
-        <pc:spChg chg="mod">
-          <ac:chgData name="Moraes,Marcia" userId="c9c67e8a-58e2-4733-9a1c-5d44fec4775b" providerId="ADAL" clId="{E9362D46-B5E5-4089-AB1A-CDFE8C76C608}" dt="2023-02-03T04:52:47.045" v="271" actId="20577"/>
-          <ac:spMkLst>
-            <pc:docMk/>
-            <pc:sldMk cId="1569308591" sldId="275"/>
-            <ac:spMk id="3" creationId="{805BD08A-2EFA-AB4D-8082-F50005A485A8}"/>
-          </ac:spMkLst>
-        </pc:spChg>
-        <pc:picChg chg="del">
-          <ac:chgData name="Moraes,Marcia" userId="c9c67e8a-58e2-4733-9a1c-5d44fec4775b" providerId="ADAL" clId="{E9362D46-B5E5-4089-AB1A-CDFE8C76C608}" dt="2023-02-03T04:49:10" v="203" actId="478"/>
-          <ac:picMkLst>
-            <pc:docMk/>
-            <pc:sldMk cId="1569308591" sldId="275"/>
-            <ac:picMk id="4" creationId="{57CB09AE-8957-4718-82CF-9D219980DB5C}"/>
-          </ac:picMkLst>
-        </pc:picChg>
-        <pc:picChg chg="add mod">
-          <ac:chgData name="Moraes,Marcia" userId="c9c67e8a-58e2-4733-9a1c-5d44fec4775b" providerId="ADAL" clId="{E9362D46-B5E5-4089-AB1A-CDFE8C76C608}" dt="2023-02-03T04:51:56.917" v="263" actId="1076"/>
-          <ac:picMkLst>
-            <pc:docMk/>
-            <pc:sldMk cId="1569308591" sldId="275"/>
-            <ac:picMk id="5" creationId="{E213A11D-5CFD-46BD-9D85-C6D0210BA37C}"/>
-          </ac:picMkLst>
-        </pc:picChg>
-      </pc:sldChg>
-      <pc:sldChg chg="delSp modSp add">
-        <pc:chgData name="Moraes,Marcia" userId="c9c67e8a-58e2-4733-9a1c-5d44fec4775b" providerId="ADAL" clId="{E9362D46-B5E5-4089-AB1A-CDFE8C76C608}" dt="2023-02-03T04:55:07.435" v="543" actId="20577"/>
-        <pc:sldMkLst>
-          <pc:docMk/>
-          <pc:sldMk cId="942703101" sldId="276"/>
-        </pc:sldMkLst>
-        <pc:spChg chg="mod">
-          <ac:chgData name="Moraes,Marcia" userId="c9c67e8a-58e2-4733-9a1c-5d44fec4775b" providerId="ADAL" clId="{E9362D46-B5E5-4089-AB1A-CDFE8C76C608}" dt="2023-02-03T04:53:04.357" v="281" actId="20577"/>
-          <ac:spMkLst>
-            <pc:docMk/>
-            <pc:sldMk cId="942703101" sldId="276"/>
-            <ac:spMk id="2" creationId="{EF0E79EF-E8E9-1646-832F-14E5A9FBF28B}"/>
-          </ac:spMkLst>
-        </pc:spChg>
-        <pc:spChg chg="mod">
-          <ac:chgData name="Moraes,Marcia" userId="c9c67e8a-58e2-4733-9a1c-5d44fec4775b" providerId="ADAL" clId="{E9362D46-B5E5-4089-AB1A-CDFE8C76C608}" dt="2023-02-03T04:55:07.435" v="543" actId="20577"/>
-          <ac:spMkLst>
-            <pc:docMk/>
-            <pc:sldMk cId="942703101" sldId="276"/>
-            <ac:spMk id="3" creationId="{805BD08A-2EFA-AB4D-8082-F50005A485A8}"/>
-          </ac:spMkLst>
-        </pc:spChg>
-        <pc:picChg chg="del">
-          <ac:chgData name="Moraes,Marcia" userId="c9c67e8a-58e2-4733-9a1c-5d44fec4775b" providerId="ADAL" clId="{E9362D46-B5E5-4089-AB1A-CDFE8C76C608}" dt="2023-02-03T04:53:11.480" v="282" actId="478"/>
-          <ac:picMkLst>
-            <pc:docMk/>
-            <pc:sldMk cId="942703101" sldId="276"/>
-            <ac:picMk id="5" creationId="{E213A11D-5CFD-46BD-9D85-C6D0210BA37C}"/>
-          </ac:picMkLst>
-        </pc:picChg>
-      </pc:sldChg>
-      <pc:sldMasterChg chg="modSldLayout">
-        <pc:chgData name="Moraes,Marcia" userId="c9c67e8a-58e2-4733-9a1c-5d44fec4775b" providerId="ADAL" clId="{E9362D46-B5E5-4089-AB1A-CDFE8C76C608}" dt="2023-02-03T04:27:28.025" v="26" actId="6549"/>
-        <pc:sldMasterMkLst>
-          <pc:docMk/>
-          <pc:sldMasterMk cId="3965733437" sldId="2147483648"/>
-        </pc:sldMasterMkLst>
-        <pc:sldLayoutChg chg="modSp">
-          <pc:chgData name="Moraes,Marcia" userId="c9c67e8a-58e2-4733-9a1c-5d44fec4775b" providerId="ADAL" clId="{E9362D46-B5E5-4089-AB1A-CDFE8C76C608}" dt="2023-02-03T04:27:28.025" v="26" actId="6549"/>
-          <pc:sldLayoutMkLst>
-            <pc:docMk/>
-            <pc:sldMasterMk cId="3965733437" sldId="2147483648"/>
-            <pc:sldLayoutMk cId="0" sldId="2147483689"/>
-          </pc:sldLayoutMkLst>
-          <pc:spChg chg="mod">
-            <ac:chgData name="Moraes,Marcia" userId="c9c67e8a-58e2-4733-9a1c-5d44fec4775b" providerId="ADAL" clId="{E9362D46-B5E5-4089-AB1A-CDFE8C76C608}" dt="2023-02-03T04:27:28.025" v="26" actId="6549"/>
-            <ac:spMkLst>
-              <pc:docMk/>
-              <pc:sldMasterMk cId="3965733437" sldId="2147483648"/>
-              <pc:sldLayoutMk cId="0" sldId="2147483689"/>
-              <ac:spMk id="11" creationId="{F621E987-BD36-AF48-B11C-CC4BAD65092F}"/>
-            </ac:spMkLst>
-          </pc:spChg>
-        </pc:sldLayoutChg>
-      </pc:sldMasterChg>
     </pc:docChg>
   </pc:docChgLst>
 </pc:chgInfo>
@@ -566,7 +251,7 @@
           <a:p>
             <a:fld id="{4D7E51A5-B478-1E40-8CBB-0DAA8831E99D}" type="datetimeFigureOut">
               <a:rPr lang="en-US" smtClean="0"/>
-              <a:t>2/2/2023</a:t>
+              <a:t>8/10/2023</a:t>
             </a:fld>
             <a:endParaRPr lang="en-US"/>
           </a:p>
@@ -731,7 +416,7 @@
           <a:p>
             <a:fld id="{D0ED587F-861E-6740-9643-E3DDAE89B8D6}" type="datetimeFigureOut">
               <a:rPr lang="en-US" smtClean="0"/>
-              <a:t>2/2/2023</a:t>
+              <a:t>8/10/2023</a:t>
             </a:fld>
             <a:endParaRPr lang="en-US"/>
           </a:p>
@@ -7102,8 +6787,8 @@
         </p:nvSpPr>
         <p:spPr>
           <a:xfrm>
-            <a:off x="628075" y="1776683"/>
-            <a:ext cx="8167582" cy="4684680"/>
+            <a:off x="628074" y="1476919"/>
+            <a:ext cx="10756279" cy="5946564"/>
           </a:xfrm>
         </p:spPr>
         <p:txBody>
@@ -7155,7 +6840,7 @@
                   <a:srgbClr val="092529"/>
                 </a:solidFill>
               </a:rPr>
-              <a:t>Help Sessions and Help Desks</a:t>
+              <a:t>Office Hours/Student Hours and Help Desks</a:t>
             </a:r>
           </a:p>
           <a:p>
@@ -7171,7 +6856,7 @@
           <a:p>
             <a:r>
               <a:rPr lang="en-US" sz="2000" b="1" dirty="0"/>
-              <a:t>Next Week – Exam Module</a:t>
+              <a:t>This week  – Exam Module</a:t>
             </a:r>
           </a:p>
           <a:p>
@@ -7186,6 +6871,20 @@
             <a:r>
               <a:rPr lang="en-US" sz="2000" b="1" dirty="0"/>
               <a:t>Catch up if you are behind!</a:t>
+            </a:r>
+          </a:p>
+          <a:p>
+            <a:pPr lvl="1"/>
+            <a:r>
+              <a:rPr lang="en-US" sz="2000" b="1" dirty="0"/>
+              <a:t>Ask for help, if you need! Don’t hesitate to reach out!</a:t>
+            </a:r>
+          </a:p>
+          <a:p>
+            <a:pPr lvl="1"/>
+            <a:r>
+              <a:rPr lang="en-US" sz="2000" b="1" dirty="0"/>
+              <a:t>TAs and myself are here to help you to succeed in this course!</a:t>
             </a:r>
           </a:p>
           <a:p>
@@ -8896,12 +8595,11 @@
 </file>
 
 <file path=customXml/item1.xml><?xml version="1.0" encoding="utf-8"?>
-<?mso-contentType ?>
-<FormTemplates xmlns="http://schemas.microsoft.com/sharepoint/v3/contenttype/forms">
-  <Display>DocumentLibraryForm</Display>
-  <Edit>DocumentLibraryForm</Edit>
-  <New>DocumentLibraryForm</New>
-</FormTemplates>
+<p:properties xmlns:p="http://schemas.microsoft.com/office/2006/metadata/properties" xmlns:xsi="http://www.w3.org/2001/XMLSchema-instance" xmlns:pc="http://schemas.microsoft.com/office/infopath/2007/PartnerControls">
+  <documentManagement>
+    <_activity xmlns="92c41bee-f0ee-4aa6-9399-a35fbb883510" xsi:nil="true"/>
+  </documentManagement>
+</p:properties>
 </file>
 
 <file path=customXml/item2.xml><?xml version="1.0" encoding="utf-8"?>
@@ -9140,17 +8838,27 @@
 </file>
 
 <file path=customXml/item3.xml><?xml version="1.0" encoding="utf-8"?>
-<p:properties xmlns:p="http://schemas.microsoft.com/office/2006/metadata/properties" xmlns:xsi="http://www.w3.org/2001/XMLSchema-instance" xmlns:pc="http://schemas.microsoft.com/office/infopath/2007/PartnerControls">
-  <documentManagement>
-    <_activity xmlns="92c41bee-f0ee-4aa6-9399-a35fbb883510" xsi:nil="true"/>
-  </documentManagement>
-</p:properties>
+<?mso-contentType ?>
+<FormTemplates xmlns="http://schemas.microsoft.com/sharepoint/v3/contenttype/forms">
+  <Display>DocumentLibraryForm</Display>
+  <Edit>DocumentLibraryForm</Edit>
+  <New>DocumentLibraryForm</New>
+</FormTemplates>
 </file>
 
 <file path=customXml/itemProps1.xml><?xml version="1.0" encoding="utf-8"?>
-<ds:datastoreItem xmlns:ds="http://schemas.openxmlformats.org/officeDocument/2006/customXml" ds:itemID="{C3A2A64B-D26D-4451-9EC1-33FC9BDF211A}">
+<ds:datastoreItem xmlns:ds="http://schemas.openxmlformats.org/officeDocument/2006/customXml" ds:itemID="{3725A9E8-C5BD-4292-8D2D-F156F952E4A9}">
   <ds:schemaRefs>
-    <ds:schemaRef ds:uri="http://schemas.microsoft.com/sharepoint/v3/contenttype/forms"/>
+    <ds:schemaRef ds:uri="http://purl.org/dc/terms/"/>
+    <ds:schemaRef ds:uri="http://purl.org/dc/dcmitype/"/>
+    <ds:schemaRef ds:uri="http://www.w3.org/XML/1998/namespace"/>
+    <ds:schemaRef ds:uri="http://schemas.microsoft.com/office/2006/metadata/properties"/>
+    <ds:schemaRef ds:uri="e06ed288-fd75-4b50-bbed-f5a5df88c31c"/>
+    <ds:schemaRef ds:uri="http://schemas.microsoft.com/office/infopath/2007/PartnerControls"/>
+    <ds:schemaRef ds:uri="http://purl.org/dc/elements/1.1/"/>
+    <ds:schemaRef ds:uri="http://schemas.microsoft.com/office/2006/documentManagement/types"/>
+    <ds:schemaRef ds:uri="http://schemas.openxmlformats.org/package/2006/metadata/core-properties"/>
+    <ds:schemaRef ds:uri="92c41bee-f0ee-4aa6-9399-a35fbb883510"/>
   </ds:schemaRefs>
 </ds:datastoreItem>
 </file>
@@ -9175,18 +8883,9 @@
 </file>
 
 <file path=customXml/itemProps3.xml><?xml version="1.0" encoding="utf-8"?>
-<ds:datastoreItem xmlns:ds="http://schemas.openxmlformats.org/officeDocument/2006/customXml" ds:itemID="{3725A9E8-C5BD-4292-8D2D-F156F952E4A9}">
+<ds:datastoreItem xmlns:ds="http://schemas.openxmlformats.org/officeDocument/2006/customXml" ds:itemID="{C3A2A64B-D26D-4451-9EC1-33FC9BDF211A}">
   <ds:schemaRefs>
-    <ds:schemaRef ds:uri="http://purl.org/dc/terms/"/>
-    <ds:schemaRef ds:uri="http://schemas.microsoft.com/office/2006/metadata/properties"/>
-    <ds:schemaRef ds:uri="http://schemas.openxmlformats.org/package/2006/metadata/core-properties"/>
-    <ds:schemaRef ds:uri="http://purl.org/dc/dcmitype/"/>
-    <ds:schemaRef ds:uri="e06ed288-fd75-4b50-bbed-f5a5df88c31c"/>
-    <ds:schemaRef ds:uri="http://www.w3.org/XML/1998/namespace"/>
-    <ds:schemaRef ds:uri="http://schemas.microsoft.com/office/2006/documentManagement/types"/>
-    <ds:schemaRef ds:uri="http://schemas.microsoft.com/office/infopath/2007/PartnerControls"/>
-    <ds:schemaRef ds:uri="92c41bee-f0ee-4aa6-9399-a35fbb883510"/>
-    <ds:schemaRef ds:uri="http://purl.org/dc/elements/1.1/"/>
+    <ds:schemaRef ds:uri="http://schemas.microsoft.com/sharepoint/v3/contenttype/forms"/>
   </ds:schemaRefs>
 </ds:datastoreItem>
 </file>
--- a/slides/On-Campus/03_03_JavaDocs_UML.pptx
+++ b/slides/On-Campus/03_03_JavaDocs_UML.pptx
@@ -5,10 +5,10 @@
     <p:sldMasterId id="2147483648" r:id="rId4"/>
   </p:sldMasterIdLst>
   <p:notesMasterIdLst>
-    <p:notesMasterId r:id="rId11"/>
+    <p:notesMasterId r:id="rId13"/>
   </p:notesMasterIdLst>
   <p:handoutMasterIdLst>
-    <p:handoutMasterId r:id="rId12"/>
+    <p:handoutMasterId r:id="rId14"/>
   </p:handoutMasterIdLst>
   <p:sldIdLst>
     <p:sldId id="256" r:id="rId5"/>
@@ -16,7 +16,9 @@
     <p:sldId id="274" r:id="rId7"/>
     <p:sldId id="257" r:id="rId8"/>
     <p:sldId id="275" r:id="rId9"/>
-    <p:sldId id="276" r:id="rId10"/>
+    <p:sldId id="277" r:id="rId10"/>
+    <p:sldId id="278" r:id="rId11"/>
+    <p:sldId id="276" r:id="rId12"/>
   </p:sldIdLst>
   <p:sldSz cx="13817600" cy="7772400"/>
   <p:notesSz cx="6858000" cy="9144000"/>
@@ -144,8 +146,8 @@
   </pc:docChgLst>
   <pc:docChgLst>
     <pc:chgData name="Marcia Moraes" userId="c9c67e8a-58e2-4733-9a1c-5d44fec4775b" providerId="ADAL" clId="{AC920988-417D-4E15-90B7-78F66CD11E63}"/>
-    <pc:docChg chg="modSld">
-      <pc:chgData name="Marcia Moraes" userId="c9c67e8a-58e2-4733-9a1c-5d44fec4775b" providerId="ADAL" clId="{AC920988-417D-4E15-90B7-78F66CD11E63}" dt="2023-08-10T23:56:25.713" v="50" actId="14100"/>
+    <pc:docChg chg="custSel addSld modSld">
+      <pc:chgData name="Marcia Moraes" userId="c9c67e8a-58e2-4733-9a1c-5d44fec4775b" providerId="ADAL" clId="{AC920988-417D-4E15-90B7-78F66CD11E63}" dt="2023-08-11T00:26:31.691" v="153" actId="20577"/>
       <pc:docMkLst>
         <pc:docMk/>
       </pc:docMkLst>
@@ -163,6 +165,76 @@
             <ac:spMk id="5" creationId="{D45B7610-981A-7441-A483-AB5BABDA0AB4}"/>
           </ac:spMkLst>
         </pc:spChg>
+      </pc:sldChg>
+      <pc:sldChg chg="addSp modSp add">
+        <pc:chgData name="Marcia Moraes" userId="c9c67e8a-58e2-4733-9a1c-5d44fec4775b" providerId="ADAL" clId="{AC920988-417D-4E15-90B7-78F66CD11E63}" dt="2023-08-11T00:26:21.955" v="147" actId="20577"/>
+        <pc:sldMkLst>
+          <pc:docMk/>
+          <pc:sldMk cId="4087882604" sldId="277"/>
+        </pc:sldMkLst>
+        <pc:spChg chg="mod">
+          <ac:chgData name="Marcia Moraes" userId="c9c67e8a-58e2-4733-9a1c-5d44fec4775b" providerId="ADAL" clId="{AC920988-417D-4E15-90B7-78F66CD11E63}" dt="2023-08-11T00:26:21.955" v="147" actId="20577"/>
+          <ac:spMkLst>
+            <pc:docMk/>
+            <pc:sldMk cId="4087882604" sldId="277"/>
+            <ac:spMk id="2" creationId="{42D6472E-FA25-4B10-9CFD-95F5B9E1932C}"/>
+          </ac:spMkLst>
+        </pc:spChg>
+        <pc:spChg chg="mod">
+          <ac:chgData name="Marcia Moraes" userId="c9c67e8a-58e2-4733-9a1c-5d44fec4775b" providerId="ADAL" clId="{AC920988-417D-4E15-90B7-78F66CD11E63}" dt="2023-08-11T00:23:18.034" v="89" actId="255"/>
+          <ac:spMkLst>
+            <pc:docMk/>
+            <pc:sldMk cId="4087882604" sldId="277"/>
+            <ac:spMk id="3" creationId="{5E62C6AA-B0B2-45F9-B065-DC721E0AC9A6}"/>
+          </ac:spMkLst>
+        </pc:spChg>
+        <pc:picChg chg="add mod">
+          <ac:chgData name="Marcia Moraes" userId="c9c67e8a-58e2-4733-9a1c-5d44fec4775b" providerId="ADAL" clId="{AC920988-417D-4E15-90B7-78F66CD11E63}" dt="2023-08-11T00:23:34.317" v="92" actId="1076"/>
+          <ac:picMkLst>
+            <pc:docMk/>
+            <pc:sldMk cId="4087882604" sldId="277"/>
+            <ac:picMk id="4" creationId="{1A6CA1F6-82DE-46BB-B423-18F2BFBC0740}"/>
+          </ac:picMkLst>
+        </pc:picChg>
+      </pc:sldChg>
+      <pc:sldChg chg="addSp delSp modSp add">
+        <pc:chgData name="Marcia Moraes" userId="c9c67e8a-58e2-4733-9a1c-5d44fec4775b" providerId="ADAL" clId="{AC920988-417D-4E15-90B7-78F66CD11E63}" dt="2023-08-11T00:26:31.691" v="153" actId="20577"/>
+        <pc:sldMkLst>
+          <pc:docMk/>
+          <pc:sldMk cId="3180390728" sldId="278"/>
+        </pc:sldMkLst>
+        <pc:spChg chg="mod">
+          <ac:chgData name="Marcia Moraes" userId="c9c67e8a-58e2-4733-9a1c-5d44fec4775b" providerId="ADAL" clId="{AC920988-417D-4E15-90B7-78F66CD11E63}" dt="2023-08-11T00:26:31.691" v="153" actId="20577"/>
+          <ac:spMkLst>
+            <pc:docMk/>
+            <pc:sldMk cId="3180390728" sldId="278"/>
+            <ac:spMk id="2" creationId="{42D6472E-FA25-4B10-9CFD-95F5B9E1932C}"/>
+          </ac:spMkLst>
+        </pc:spChg>
+        <pc:spChg chg="mod">
+          <ac:chgData name="Marcia Moraes" userId="c9c67e8a-58e2-4733-9a1c-5d44fec4775b" providerId="ADAL" clId="{AC920988-417D-4E15-90B7-78F66CD11E63}" dt="2023-08-11T00:25:58.006" v="140" actId="1076"/>
+          <ac:spMkLst>
+            <pc:docMk/>
+            <pc:sldMk cId="3180390728" sldId="278"/>
+            <ac:spMk id="3" creationId="{5E62C6AA-B0B2-45F9-B065-DC721E0AC9A6}"/>
+          </ac:spMkLst>
+        </pc:spChg>
+        <pc:spChg chg="add mod">
+          <ac:chgData name="Marcia Moraes" userId="c9c67e8a-58e2-4733-9a1c-5d44fec4775b" providerId="ADAL" clId="{AC920988-417D-4E15-90B7-78F66CD11E63}" dt="2023-08-11T00:26:04.964" v="141" actId="1076"/>
+          <ac:spMkLst>
+            <pc:docMk/>
+            <pc:sldMk cId="3180390728" sldId="278"/>
+            <ac:spMk id="5" creationId="{C2B0D68F-EE62-4A48-81AB-08DFA7F210E4}"/>
+          </ac:spMkLst>
+        </pc:spChg>
+        <pc:picChg chg="del">
+          <ac:chgData name="Marcia Moraes" userId="c9c67e8a-58e2-4733-9a1c-5d44fec4775b" providerId="ADAL" clId="{AC920988-417D-4E15-90B7-78F66CD11E63}" dt="2023-08-11T00:24:56.836" v="116" actId="478"/>
+          <ac:picMkLst>
+            <pc:docMk/>
+            <pc:sldMk cId="3180390728" sldId="278"/>
+            <ac:picMk id="4" creationId="{1A6CA1F6-82DE-46BB-B423-18F2BFBC0740}"/>
+          </ac:picMkLst>
+        </pc:picChg>
       </pc:sldChg>
     </pc:docChg>
   </pc:docChgLst>
@@ -7530,6 +7602,763 @@
 </file>
 
 <file path=ppt/slides/slide6.xml><?xml version="1.0" encoding="utf-8"?>
+<p:sld xmlns:a="http://schemas.openxmlformats.org/drawingml/2006/main" xmlns:r="http://schemas.openxmlformats.org/officeDocument/2006/relationships" xmlns:p="http://schemas.openxmlformats.org/presentationml/2006/main">
+  <p:cSld>
+    <p:spTree>
+      <p:nvGrpSpPr>
+        <p:cNvPr id="1" name=""/>
+        <p:cNvGrpSpPr/>
+        <p:nvPr/>
+      </p:nvGrpSpPr>
+      <p:grpSpPr>
+        <a:xfrm>
+          <a:off x="0" y="0"/>
+          <a:ext cx="0" cy="0"/>
+          <a:chOff x="0" y="0"/>
+          <a:chExt cx="0" cy="0"/>
+        </a:xfrm>
+      </p:grpSpPr>
+      <p:sp>
+        <p:nvSpPr>
+          <p:cNvPr id="2" name="Title 1">
+            <a:extLst>
+              <a:ext uri="{FF2B5EF4-FFF2-40B4-BE49-F238E27FC236}">
+                <a16:creationId xmlns:a16="http://schemas.microsoft.com/office/drawing/2014/main" id="{42D6472E-FA25-4B10-9CFD-95F5B9E1932C}"/>
+              </a:ext>
+            </a:extLst>
+          </p:cNvPr>
+          <p:cNvSpPr>
+            <a:spLocks noGrp="1"/>
+          </p:cNvSpPr>
+          <p:nvPr>
+            <p:ph type="title"/>
+          </p:nvPr>
+        </p:nvSpPr>
+        <p:spPr/>
+        <p:txBody>
+          <a:bodyPr/>
+          <a:lstStyle/>
+          <a:p>
+            <a:r>
+              <a:rPr lang="en-US" dirty="0"/>
+              <a:t>Group Practice Activity 1</a:t>
+            </a:r>
+          </a:p>
+        </p:txBody>
+      </p:sp>
+      <p:sp>
+        <p:nvSpPr>
+          <p:cNvPr id="3" name="Text Placeholder 2">
+            <a:extLst>
+              <a:ext uri="{FF2B5EF4-FFF2-40B4-BE49-F238E27FC236}">
+                <a16:creationId xmlns:a16="http://schemas.microsoft.com/office/drawing/2014/main" id="{5E62C6AA-B0B2-45F9-B065-DC721E0AC9A6}"/>
+              </a:ext>
+            </a:extLst>
+          </p:cNvPr>
+          <p:cNvSpPr>
+            <a:spLocks noGrp="1"/>
+          </p:cNvSpPr>
+          <p:nvPr>
+            <p:ph type="body" sz="quarter" idx="10"/>
+          </p:nvPr>
+        </p:nvSpPr>
+        <p:spPr>
+          <a:xfrm>
+            <a:off x="628075" y="1776683"/>
+            <a:ext cx="12561453" cy="1023422"/>
+          </a:xfrm>
+        </p:spPr>
+        <p:txBody>
+          <a:bodyPr/>
+          <a:lstStyle/>
+          <a:p>
+            <a:r>
+              <a:rPr lang="en-US" sz="2400" dirty="0"/>
+              <a:t>Use the UML class diagram presented below to identify the class name, attributes, and methods. Indicate the visibility of the attributes and methods.</a:t>
+            </a:r>
+          </a:p>
+        </p:txBody>
+      </p:sp>
+      <p:pic>
+        <p:nvPicPr>
+          <p:cNvPr id="4" name="Picture 3">
+            <a:extLst>
+              <a:ext uri="{FF2B5EF4-FFF2-40B4-BE49-F238E27FC236}">
+                <a16:creationId xmlns:a16="http://schemas.microsoft.com/office/drawing/2014/main" id="{1A6CA1F6-82DE-46BB-B423-18F2BFBC0740}"/>
+              </a:ext>
+            </a:extLst>
+          </p:cNvPr>
+          <p:cNvPicPr/>
+          <p:nvPr/>
+        </p:nvPicPr>
+        <p:blipFill>
+          <a:blip r:embed="rId2" cstate="print">
+            <a:extLst>
+              <a:ext uri="{28A0092B-C50C-407E-A947-70E740481C1C}">
+                <a14:useLocalDpi xmlns:a14="http://schemas.microsoft.com/office/drawing/2010/main" val="0"/>
+              </a:ext>
+            </a:extLst>
+          </a:blip>
+          <a:stretch>
+            <a:fillRect/>
+          </a:stretch>
+        </p:blipFill>
+        <p:spPr>
+          <a:xfrm>
+            <a:off x="4637315" y="3192689"/>
+            <a:ext cx="4324894" cy="3218996"/>
+          </a:xfrm>
+          <a:prstGeom prst="rect">
+            <a:avLst/>
+          </a:prstGeom>
+        </p:spPr>
+      </p:pic>
+    </p:spTree>
+    <p:extLst>
+      <p:ext uri="{BB962C8B-B14F-4D97-AF65-F5344CB8AC3E}">
+        <p14:creationId xmlns:p14="http://schemas.microsoft.com/office/powerpoint/2010/main" val="4087882604"/>
+      </p:ext>
+    </p:extLst>
+  </p:cSld>
+  <p:clrMapOvr>
+    <a:masterClrMapping/>
+  </p:clrMapOvr>
+  <mc:AlternateContent xmlns:mc="http://schemas.openxmlformats.org/markup-compatibility/2006" xmlns:p14="http://schemas.microsoft.com/office/powerpoint/2010/main">
+    <mc:Choice Requires="p14">
+      <p:transition p14:dur="300">
+        <p:fade/>
+      </p:transition>
+    </mc:Choice>
+    <mc:Fallback xmlns="">
+      <p:transition>
+        <p:fade/>
+      </p:transition>
+    </mc:Fallback>
+  </mc:AlternateContent>
+</p:sld>
+</file>
+
+<file path=ppt/slides/slide7.xml><?xml version="1.0" encoding="utf-8"?>
+<p:sld xmlns:a="http://schemas.openxmlformats.org/drawingml/2006/main" xmlns:r="http://schemas.openxmlformats.org/officeDocument/2006/relationships" xmlns:p="http://schemas.openxmlformats.org/presentationml/2006/main">
+  <p:cSld>
+    <p:spTree>
+      <p:nvGrpSpPr>
+        <p:cNvPr id="1" name=""/>
+        <p:cNvGrpSpPr/>
+        <p:nvPr/>
+      </p:nvGrpSpPr>
+      <p:grpSpPr>
+        <a:xfrm>
+          <a:off x="0" y="0"/>
+          <a:ext cx="0" cy="0"/>
+          <a:chOff x="0" y="0"/>
+          <a:chExt cx="0" cy="0"/>
+        </a:xfrm>
+      </p:grpSpPr>
+      <p:sp>
+        <p:nvSpPr>
+          <p:cNvPr id="2" name="Title 1">
+            <a:extLst>
+              <a:ext uri="{FF2B5EF4-FFF2-40B4-BE49-F238E27FC236}">
+                <a16:creationId xmlns:a16="http://schemas.microsoft.com/office/drawing/2014/main" id="{42D6472E-FA25-4B10-9CFD-95F5B9E1932C}"/>
+              </a:ext>
+            </a:extLst>
+          </p:cNvPr>
+          <p:cNvSpPr>
+            <a:spLocks noGrp="1"/>
+          </p:cNvSpPr>
+          <p:nvPr>
+            <p:ph type="title"/>
+          </p:nvPr>
+        </p:nvSpPr>
+        <p:spPr/>
+        <p:txBody>
+          <a:bodyPr/>
+          <a:lstStyle/>
+          <a:p>
+            <a:r>
+              <a:rPr lang="en-US"/>
+              <a:t>Group Practice </a:t>
+            </a:r>
+            <a:r>
+              <a:rPr lang="en-US" dirty="0"/>
+              <a:t>Activity 2</a:t>
+            </a:r>
+          </a:p>
+        </p:txBody>
+      </p:sp>
+      <p:sp>
+        <p:nvSpPr>
+          <p:cNvPr id="3" name="Text Placeholder 2">
+            <a:extLst>
+              <a:ext uri="{FF2B5EF4-FFF2-40B4-BE49-F238E27FC236}">
+                <a16:creationId xmlns:a16="http://schemas.microsoft.com/office/drawing/2014/main" id="{5E62C6AA-B0B2-45F9-B065-DC721E0AC9A6}"/>
+              </a:ext>
+            </a:extLst>
+          </p:cNvPr>
+          <p:cNvSpPr>
+            <a:spLocks noGrp="1"/>
+          </p:cNvSpPr>
+          <p:nvPr>
+            <p:ph type="body" sz="quarter" idx="10"/>
+          </p:nvPr>
+        </p:nvSpPr>
+        <p:spPr>
+          <a:xfrm>
+            <a:off x="628075" y="1373911"/>
+            <a:ext cx="12561453" cy="1023422"/>
+          </a:xfrm>
+        </p:spPr>
+        <p:txBody>
+          <a:bodyPr/>
+          <a:lstStyle/>
+          <a:p>
+            <a:r>
+              <a:rPr lang="en-US" sz="2400" dirty="0"/>
+              <a:t>Use the </a:t>
+            </a:r>
+            <a:r>
+              <a:rPr lang="en-US" sz="2400" dirty="0" err="1"/>
+              <a:t>Javadocs</a:t>
+            </a:r>
+            <a:r>
+              <a:rPr lang="en-US" sz="2400" dirty="0"/>
+              <a:t> description provided in the code below to implement the method and make the correct calls in the main.</a:t>
+            </a:r>
+          </a:p>
+        </p:txBody>
+      </p:sp>
+      <p:sp>
+        <p:nvSpPr>
+          <p:cNvPr id="5" name="Rectangle 4">
+            <a:extLst>
+              <a:ext uri="{FF2B5EF4-FFF2-40B4-BE49-F238E27FC236}">
+                <a16:creationId xmlns:a16="http://schemas.microsoft.com/office/drawing/2014/main" id="{C2B0D68F-EE62-4A48-81AB-08DFA7F210E4}"/>
+              </a:ext>
+            </a:extLst>
+          </p:cNvPr>
+          <p:cNvSpPr/>
+          <p:nvPr/>
+        </p:nvSpPr>
+        <p:spPr>
+          <a:xfrm>
+            <a:off x="2126343" y="2397333"/>
+            <a:ext cx="9967686" cy="5324535"/>
+          </a:xfrm>
+          <a:prstGeom prst="rect">
+            <a:avLst/>
+          </a:prstGeom>
+        </p:spPr>
+        <p:txBody>
+          <a:bodyPr wrap="square">
+            <a:spAutoFit/>
+          </a:bodyPr>
+          <a:lstStyle/>
+          <a:p>
+            <a:r>
+              <a:rPr lang="en-US" dirty="0">
+                <a:solidFill>
+                  <a:srgbClr val="0033B3"/>
+                </a:solidFill>
+                <a:latin typeface="Courier New" panose="02070309020205020404" pitchFamily="49" charset="0"/>
+                <a:ea typeface="Times New Roman" panose="02020603050405020304" pitchFamily="18" charset="0"/>
+              </a:rPr>
+              <a:t>public class </a:t>
+            </a:r>
+            <a:r>
+              <a:rPr lang="en-US" dirty="0">
+                <a:solidFill>
+                  <a:srgbClr val="000000"/>
+                </a:solidFill>
+                <a:latin typeface="Courier New" panose="02070309020205020404" pitchFamily="49" charset="0"/>
+                <a:ea typeface="Times New Roman" panose="02020603050405020304" pitchFamily="18" charset="0"/>
+              </a:rPr>
+              <a:t>Practice2 </a:t>
+            </a:r>
+            <a:r>
+              <a:rPr lang="en-US" dirty="0">
+                <a:solidFill>
+                  <a:srgbClr val="080808"/>
+                </a:solidFill>
+                <a:latin typeface="Courier New" panose="02070309020205020404" pitchFamily="49" charset="0"/>
+                <a:ea typeface="Times New Roman" panose="02020603050405020304" pitchFamily="18" charset="0"/>
+              </a:rPr>
+              <a:t>{</a:t>
+            </a:r>
+            <a:br>
+              <a:rPr lang="en-US" dirty="0">
+                <a:solidFill>
+                  <a:srgbClr val="080808"/>
+                </a:solidFill>
+                <a:latin typeface="Courier New" panose="02070309020205020404" pitchFamily="49" charset="0"/>
+                <a:ea typeface="Times New Roman" panose="02020603050405020304" pitchFamily="18" charset="0"/>
+              </a:rPr>
+            </a:br>
+            <a:r>
+              <a:rPr lang="en-US" dirty="0">
+                <a:solidFill>
+                  <a:srgbClr val="080808"/>
+                </a:solidFill>
+                <a:latin typeface="Courier New" panose="02070309020205020404" pitchFamily="49" charset="0"/>
+                <a:ea typeface="Times New Roman" panose="02020603050405020304" pitchFamily="18" charset="0"/>
+              </a:rPr>
+              <a:t>    </a:t>
+            </a:r>
+            <a:r>
+              <a:rPr lang="en-US" i="1" dirty="0">
+                <a:solidFill>
+                  <a:srgbClr val="8C8C8C"/>
+                </a:solidFill>
+                <a:latin typeface="Courier New" panose="02070309020205020404" pitchFamily="49" charset="0"/>
+                <a:ea typeface="Times New Roman" panose="02020603050405020304" pitchFamily="18" charset="0"/>
+              </a:rPr>
+              <a:t>/**</a:t>
+            </a:r>
+            <a:br>
+              <a:rPr lang="en-US" i="1" dirty="0">
+                <a:solidFill>
+                  <a:srgbClr val="8C8C8C"/>
+                </a:solidFill>
+                <a:latin typeface="Courier New" panose="02070309020205020404" pitchFamily="49" charset="0"/>
+                <a:ea typeface="Times New Roman" panose="02020603050405020304" pitchFamily="18" charset="0"/>
+              </a:rPr>
+            </a:br>
+            <a:r>
+              <a:rPr lang="en-US" i="1" dirty="0">
+                <a:solidFill>
+                  <a:srgbClr val="8C8C8C"/>
+                </a:solidFill>
+                <a:latin typeface="Courier New" panose="02070309020205020404" pitchFamily="49" charset="0"/>
+                <a:ea typeface="Times New Roman" panose="02020603050405020304" pitchFamily="18" charset="0"/>
+              </a:rPr>
+              <a:t>     * Main method used to call other methods</a:t>
+            </a:r>
+            <a:br>
+              <a:rPr lang="en-US" i="1" dirty="0">
+                <a:solidFill>
+                  <a:srgbClr val="8C8C8C"/>
+                </a:solidFill>
+                <a:latin typeface="Courier New" panose="02070309020205020404" pitchFamily="49" charset="0"/>
+                <a:ea typeface="Times New Roman" panose="02020603050405020304" pitchFamily="18" charset="0"/>
+              </a:rPr>
+            </a:br>
+            <a:r>
+              <a:rPr lang="en-US" i="1" dirty="0">
+                <a:solidFill>
+                  <a:srgbClr val="8C8C8C"/>
+                </a:solidFill>
+                <a:latin typeface="Courier New" panose="02070309020205020404" pitchFamily="49" charset="0"/>
+                <a:ea typeface="Times New Roman" panose="02020603050405020304" pitchFamily="18" charset="0"/>
+              </a:rPr>
+              <a:t>     * @parameter String </a:t>
+            </a:r>
+            <a:r>
+              <a:rPr lang="en-US" i="1" dirty="0" err="1">
+                <a:solidFill>
+                  <a:srgbClr val="8C8C8C"/>
+                </a:solidFill>
+                <a:latin typeface="Courier New" panose="02070309020205020404" pitchFamily="49" charset="0"/>
+                <a:ea typeface="Times New Roman" panose="02020603050405020304" pitchFamily="18" charset="0"/>
+              </a:rPr>
+              <a:t>args</a:t>
+            </a:r>
+            <a:r>
+              <a:rPr lang="en-US" i="1" dirty="0">
+                <a:solidFill>
+                  <a:srgbClr val="8C8C8C"/>
+                </a:solidFill>
+                <a:latin typeface="Courier New" panose="02070309020205020404" pitchFamily="49" charset="0"/>
+                <a:ea typeface="Times New Roman" panose="02020603050405020304" pitchFamily="18" charset="0"/>
+              </a:rPr>
+              <a:t>[]</a:t>
+            </a:r>
+            <a:br>
+              <a:rPr lang="en-US" i="1" dirty="0">
+                <a:solidFill>
+                  <a:srgbClr val="8C8C8C"/>
+                </a:solidFill>
+                <a:latin typeface="Courier New" panose="02070309020205020404" pitchFamily="49" charset="0"/>
+                <a:ea typeface="Times New Roman" panose="02020603050405020304" pitchFamily="18" charset="0"/>
+              </a:rPr>
+            </a:br>
+            <a:r>
+              <a:rPr lang="en-US" i="1" dirty="0">
+                <a:solidFill>
+                  <a:srgbClr val="8C8C8C"/>
+                </a:solidFill>
+                <a:latin typeface="Courier New" panose="02070309020205020404" pitchFamily="49" charset="0"/>
+                <a:ea typeface="Times New Roman" panose="02020603050405020304" pitchFamily="18" charset="0"/>
+              </a:rPr>
+              <a:t>     */</a:t>
+            </a:r>
+            <a:br>
+              <a:rPr lang="en-US" i="1" dirty="0">
+                <a:solidFill>
+                  <a:srgbClr val="8C8C8C"/>
+                </a:solidFill>
+                <a:latin typeface="Courier New" panose="02070309020205020404" pitchFamily="49" charset="0"/>
+                <a:ea typeface="Times New Roman" panose="02020603050405020304" pitchFamily="18" charset="0"/>
+              </a:rPr>
+            </a:br>
+            <a:r>
+              <a:rPr lang="en-US" i="1" dirty="0">
+                <a:solidFill>
+                  <a:srgbClr val="8C8C8C"/>
+                </a:solidFill>
+                <a:latin typeface="Courier New" panose="02070309020205020404" pitchFamily="49" charset="0"/>
+                <a:ea typeface="Times New Roman" panose="02020603050405020304" pitchFamily="18" charset="0"/>
+              </a:rPr>
+              <a:t>    </a:t>
+            </a:r>
+            <a:r>
+              <a:rPr lang="en-US" dirty="0">
+                <a:solidFill>
+                  <a:srgbClr val="0033B3"/>
+                </a:solidFill>
+                <a:latin typeface="Courier New" panose="02070309020205020404" pitchFamily="49" charset="0"/>
+                <a:ea typeface="Times New Roman" panose="02020603050405020304" pitchFamily="18" charset="0"/>
+              </a:rPr>
+              <a:t>public static void </a:t>
+            </a:r>
+            <a:r>
+              <a:rPr lang="en-US" dirty="0">
+                <a:solidFill>
+                  <a:srgbClr val="00627A"/>
+                </a:solidFill>
+                <a:latin typeface="Courier New" panose="02070309020205020404" pitchFamily="49" charset="0"/>
+                <a:ea typeface="Times New Roman" panose="02020603050405020304" pitchFamily="18" charset="0"/>
+              </a:rPr>
+              <a:t>main</a:t>
+            </a:r>
+            <a:r>
+              <a:rPr lang="en-US" dirty="0">
+                <a:solidFill>
+                  <a:srgbClr val="080808"/>
+                </a:solidFill>
+                <a:latin typeface="Courier New" panose="02070309020205020404" pitchFamily="49" charset="0"/>
+                <a:ea typeface="Times New Roman" panose="02020603050405020304" pitchFamily="18" charset="0"/>
+              </a:rPr>
+              <a:t>(</a:t>
+            </a:r>
+            <a:r>
+              <a:rPr lang="en-US" dirty="0">
+                <a:solidFill>
+                  <a:srgbClr val="000000"/>
+                </a:solidFill>
+                <a:latin typeface="Courier New" panose="02070309020205020404" pitchFamily="49" charset="0"/>
+                <a:ea typeface="Times New Roman" panose="02020603050405020304" pitchFamily="18" charset="0"/>
+              </a:rPr>
+              <a:t>String </a:t>
+            </a:r>
+            <a:r>
+              <a:rPr lang="en-US" dirty="0" err="1">
+                <a:solidFill>
+                  <a:srgbClr val="080808"/>
+                </a:solidFill>
+                <a:latin typeface="Courier New" panose="02070309020205020404" pitchFamily="49" charset="0"/>
+                <a:ea typeface="Times New Roman" panose="02020603050405020304" pitchFamily="18" charset="0"/>
+              </a:rPr>
+              <a:t>args</a:t>
+            </a:r>
+            <a:r>
+              <a:rPr lang="en-US" dirty="0">
+                <a:solidFill>
+                  <a:srgbClr val="080808"/>
+                </a:solidFill>
+                <a:latin typeface="Courier New" panose="02070309020205020404" pitchFamily="49" charset="0"/>
+                <a:ea typeface="Times New Roman" panose="02020603050405020304" pitchFamily="18" charset="0"/>
+              </a:rPr>
+              <a:t>[]){</a:t>
+            </a:r>
+            <a:br>
+              <a:rPr lang="en-US" dirty="0">
+                <a:solidFill>
+                  <a:srgbClr val="080808"/>
+                </a:solidFill>
+                <a:latin typeface="Courier New" panose="02070309020205020404" pitchFamily="49" charset="0"/>
+                <a:ea typeface="Times New Roman" panose="02020603050405020304" pitchFamily="18" charset="0"/>
+              </a:rPr>
+            </a:br>
+            <a:r>
+              <a:rPr lang="en-US" dirty="0">
+                <a:solidFill>
+                  <a:srgbClr val="080808"/>
+                </a:solidFill>
+                <a:latin typeface="Courier New" panose="02070309020205020404" pitchFamily="49" charset="0"/>
+                <a:ea typeface="Times New Roman" panose="02020603050405020304" pitchFamily="18" charset="0"/>
+              </a:rPr>
+              <a:t>        </a:t>
+            </a:r>
+            <a:r>
+              <a:rPr lang="en-US" i="1" dirty="0">
+                <a:solidFill>
+                  <a:srgbClr val="8C8C8C"/>
+                </a:solidFill>
+                <a:latin typeface="Courier New" panose="02070309020205020404" pitchFamily="49" charset="0"/>
+                <a:ea typeface="Times New Roman" panose="02020603050405020304" pitchFamily="18" charset="0"/>
+              </a:rPr>
+              <a:t>//write the instructions necessary to call the</a:t>
+            </a:r>
+            <a:br>
+              <a:rPr lang="en-US" i="1" dirty="0">
+                <a:solidFill>
+                  <a:srgbClr val="8C8C8C"/>
+                </a:solidFill>
+                <a:latin typeface="Courier New" panose="02070309020205020404" pitchFamily="49" charset="0"/>
+                <a:ea typeface="Times New Roman" panose="02020603050405020304" pitchFamily="18" charset="0"/>
+              </a:rPr>
+            </a:br>
+            <a:r>
+              <a:rPr lang="en-US" i="1" dirty="0">
+                <a:solidFill>
+                  <a:srgbClr val="8C8C8C"/>
+                </a:solidFill>
+                <a:latin typeface="Courier New" panose="02070309020205020404" pitchFamily="49" charset="0"/>
+                <a:ea typeface="Times New Roman" panose="02020603050405020304" pitchFamily="18" charset="0"/>
+              </a:rPr>
+              <a:t>        //method you will implement</a:t>
+            </a:r>
+            <a:br>
+              <a:rPr lang="en-US" i="1" dirty="0">
+                <a:solidFill>
+                  <a:srgbClr val="8C8C8C"/>
+                </a:solidFill>
+                <a:latin typeface="Courier New" panose="02070309020205020404" pitchFamily="49" charset="0"/>
+                <a:ea typeface="Times New Roman" panose="02020603050405020304" pitchFamily="18" charset="0"/>
+              </a:rPr>
+            </a:br>
+            <a:r>
+              <a:rPr lang="en-US" i="1" dirty="0">
+                <a:solidFill>
+                  <a:srgbClr val="8C8C8C"/>
+                </a:solidFill>
+                <a:latin typeface="Courier New" panose="02070309020205020404" pitchFamily="49" charset="0"/>
+                <a:ea typeface="Times New Roman" panose="02020603050405020304" pitchFamily="18" charset="0"/>
+              </a:rPr>
+              <a:t>    </a:t>
+            </a:r>
+            <a:r>
+              <a:rPr lang="en-US" dirty="0">
+                <a:solidFill>
+                  <a:srgbClr val="080808"/>
+                </a:solidFill>
+                <a:latin typeface="Courier New" panose="02070309020205020404" pitchFamily="49" charset="0"/>
+                <a:ea typeface="Times New Roman" panose="02020603050405020304" pitchFamily="18" charset="0"/>
+              </a:rPr>
+              <a:t>}</a:t>
+            </a:r>
+            <a:br>
+              <a:rPr lang="en-US" dirty="0">
+                <a:solidFill>
+                  <a:srgbClr val="080808"/>
+                </a:solidFill>
+                <a:latin typeface="Courier New" panose="02070309020205020404" pitchFamily="49" charset="0"/>
+                <a:ea typeface="Times New Roman" panose="02020603050405020304" pitchFamily="18" charset="0"/>
+              </a:rPr>
+            </a:br>
+            <a:r>
+              <a:rPr lang="en-US" dirty="0">
+                <a:solidFill>
+                  <a:srgbClr val="080808"/>
+                </a:solidFill>
+                <a:latin typeface="Courier New" panose="02070309020205020404" pitchFamily="49" charset="0"/>
+                <a:ea typeface="Times New Roman" panose="02020603050405020304" pitchFamily="18" charset="0"/>
+              </a:rPr>
+              <a:t>    </a:t>
+            </a:r>
+            <a:r>
+              <a:rPr lang="en-US" i="1" dirty="0">
+                <a:solidFill>
+                  <a:srgbClr val="8C8C8C"/>
+                </a:solidFill>
+                <a:latin typeface="Courier New" panose="02070309020205020404" pitchFamily="49" charset="0"/>
+                <a:ea typeface="Times New Roman" panose="02020603050405020304" pitchFamily="18" charset="0"/>
+              </a:rPr>
+              <a:t>/**</a:t>
+            </a:r>
+            <a:br>
+              <a:rPr lang="en-US" i="1" dirty="0">
+                <a:solidFill>
+                  <a:srgbClr val="8C8C8C"/>
+                </a:solidFill>
+                <a:latin typeface="Courier New" panose="02070309020205020404" pitchFamily="49" charset="0"/>
+                <a:ea typeface="Times New Roman" panose="02020603050405020304" pitchFamily="18" charset="0"/>
+              </a:rPr>
+            </a:br>
+            <a:r>
+              <a:rPr lang="en-US" i="1" dirty="0">
+                <a:solidFill>
+                  <a:srgbClr val="8C8C8C"/>
+                </a:solidFill>
+                <a:latin typeface="Courier New" panose="02070309020205020404" pitchFamily="49" charset="0"/>
+                <a:ea typeface="Times New Roman" panose="02020603050405020304" pitchFamily="18" charset="0"/>
+              </a:rPr>
+              <a:t>     * </a:t>
+            </a:r>
+            <a:r>
+              <a:rPr lang="en-US" i="1" dirty="0" err="1">
+                <a:solidFill>
+                  <a:srgbClr val="8C8C8C"/>
+                </a:solidFill>
+                <a:latin typeface="Courier New" panose="02070309020205020404" pitchFamily="49" charset="0"/>
+                <a:ea typeface="Times New Roman" panose="02020603050405020304" pitchFamily="18" charset="0"/>
+              </a:rPr>
+              <a:t>minMax</a:t>
+            </a:r>
+            <a:r>
+              <a:rPr lang="en-US" i="1" dirty="0">
+                <a:solidFill>
+                  <a:srgbClr val="8C8C8C"/>
+                </a:solidFill>
+                <a:latin typeface="Courier New" panose="02070309020205020404" pitchFamily="49" charset="0"/>
+                <a:ea typeface="Times New Roman" panose="02020603050405020304" pitchFamily="18" charset="0"/>
+              </a:rPr>
+              <a:t> method</a:t>
+            </a:r>
+            <a:br>
+              <a:rPr lang="en-US" i="1" dirty="0">
+                <a:solidFill>
+                  <a:srgbClr val="8C8C8C"/>
+                </a:solidFill>
+                <a:latin typeface="Courier New" panose="02070309020205020404" pitchFamily="49" charset="0"/>
+                <a:ea typeface="Times New Roman" panose="02020603050405020304" pitchFamily="18" charset="0"/>
+              </a:rPr>
+            </a:br>
+            <a:r>
+              <a:rPr lang="en-US" i="1" dirty="0">
+                <a:solidFill>
+                  <a:srgbClr val="8C8C8C"/>
+                </a:solidFill>
+                <a:latin typeface="Courier New" panose="02070309020205020404" pitchFamily="49" charset="0"/>
+                <a:ea typeface="Times New Roman" panose="02020603050405020304" pitchFamily="18" charset="0"/>
+              </a:rPr>
+              <a:t>     * Asks the user to enter the total number to be read.</a:t>
+            </a:r>
+            <a:br>
+              <a:rPr lang="en-US" i="1" dirty="0">
+                <a:solidFill>
+                  <a:srgbClr val="8C8C8C"/>
+                </a:solidFill>
+                <a:latin typeface="Courier New" panose="02070309020205020404" pitchFamily="49" charset="0"/>
+                <a:ea typeface="Times New Roman" panose="02020603050405020304" pitchFamily="18" charset="0"/>
+              </a:rPr>
+            </a:br>
+            <a:r>
+              <a:rPr lang="en-US" i="1" dirty="0">
+                <a:solidFill>
+                  <a:srgbClr val="8C8C8C"/>
+                </a:solidFill>
+                <a:latin typeface="Courier New" panose="02070309020205020404" pitchFamily="49" charset="0"/>
+                <a:ea typeface="Times New Roman" panose="02020603050405020304" pitchFamily="18" charset="0"/>
+              </a:rPr>
+              <a:t>     * Determines and print the min and max of the numbers read.</a:t>
+            </a:r>
+            <a:br>
+              <a:rPr lang="en-US" i="1" dirty="0">
+                <a:solidFill>
+                  <a:srgbClr val="8C8C8C"/>
+                </a:solidFill>
+                <a:latin typeface="Courier New" panose="02070309020205020404" pitchFamily="49" charset="0"/>
+                <a:ea typeface="Times New Roman" panose="02020603050405020304" pitchFamily="18" charset="0"/>
+              </a:rPr>
+            </a:br>
+            <a:r>
+              <a:rPr lang="en-US" i="1" dirty="0">
+                <a:solidFill>
+                  <a:srgbClr val="8C8C8C"/>
+                </a:solidFill>
+                <a:latin typeface="Courier New" panose="02070309020205020404" pitchFamily="49" charset="0"/>
+                <a:ea typeface="Times New Roman" panose="02020603050405020304" pitchFamily="18" charset="0"/>
+              </a:rPr>
+              <a:t>     * @param </a:t>
+            </a:r>
+            <a:r>
+              <a:rPr lang="en-US" i="1" dirty="0">
+                <a:solidFill>
+                  <a:srgbClr val="3D3D3D"/>
+                </a:solidFill>
+                <a:latin typeface="Courier New" panose="02070309020205020404" pitchFamily="49" charset="0"/>
+                <a:ea typeface="Times New Roman" panose="02020603050405020304" pitchFamily="18" charset="0"/>
+              </a:rPr>
+              <a:t>Scanner </a:t>
+            </a:r>
+            <a:r>
+              <a:rPr lang="en-US" i="1" dirty="0">
+                <a:solidFill>
+                  <a:srgbClr val="8C8C8C"/>
+                </a:solidFill>
+                <a:latin typeface="Courier New" panose="02070309020205020404" pitchFamily="49" charset="0"/>
+                <a:ea typeface="Times New Roman" panose="02020603050405020304" pitchFamily="18" charset="0"/>
+              </a:rPr>
+              <a:t>in</a:t>
+            </a:r>
+            <a:br>
+              <a:rPr lang="en-US" i="1" dirty="0">
+                <a:solidFill>
+                  <a:srgbClr val="8C8C8C"/>
+                </a:solidFill>
+                <a:latin typeface="Courier New" panose="02070309020205020404" pitchFamily="49" charset="0"/>
+                <a:ea typeface="Times New Roman" panose="02020603050405020304" pitchFamily="18" charset="0"/>
+              </a:rPr>
+            </a:br>
+            <a:r>
+              <a:rPr lang="en-US" i="1" dirty="0">
+                <a:solidFill>
+                  <a:srgbClr val="8C8C8C"/>
+                </a:solidFill>
+                <a:latin typeface="Courier New" panose="02070309020205020404" pitchFamily="49" charset="0"/>
+                <a:ea typeface="Times New Roman" panose="02020603050405020304" pitchFamily="18" charset="0"/>
+              </a:rPr>
+              <a:t>     */</a:t>
+            </a:r>
+          </a:p>
+          <a:p>
+            <a:r>
+              <a:rPr lang="en-US" dirty="0">
+                <a:latin typeface="Courier New" panose="02070309020205020404" pitchFamily="49" charset="0"/>
+                <a:ea typeface="Times New Roman" panose="02020603050405020304" pitchFamily="18" charset="0"/>
+              </a:rPr>
+              <a:t>}</a:t>
+            </a:r>
+            <a:br>
+              <a:rPr lang="en-US" i="1" dirty="0">
+                <a:solidFill>
+                  <a:srgbClr val="8C8C8C"/>
+                </a:solidFill>
+                <a:latin typeface="Courier New" panose="02070309020205020404" pitchFamily="49" charset="0"/>
+                <a:ea typeface="Times New Roman" panose="02020603050405020304" pitchFamily="18" charset="0"/>
+              </a:rPr>
+            </a:br>
+            <a:endParaRPr lang="en-US" dirty="0"/>
+          </a:p>
+        </p:txBody>
+      </p:sp>
+    </p:spTree>
+    <p:extLst>
+      <p:ext uri="{BB962C8B-B14F-4D97-AF65-F5344CB8AC3E}">
+        <p14:creationId xmlns:p14="http://schemas.microsoft.com/office/powerpoint/2010/main" val="3180390728"/>
+      </p:ext>
+    </p:extLst>
+  </p:cSld>
+  <p:clrMapOvr>
+    <a:masterClrMapping/>
+  </p:clrMapOvr>
+  <mc:AlternateContent xmlns:mc="http://schemas.openxmlformats.org/markup-compatibility/2006" xmlns:p14="http://schemas.microsoft.com/office/powerpoint/2010/main">
+    <mc:Choice Requires="p14">
+      <p:transition p14:dur="300">
+        <p:fade/>
+      </p:transition>
+    </mc:Choice>
+    <mc:Fallback xmlns="">
+      <p:transition>
+        <p:fade/>
+      </p:transition>
+    </mc:Fallback>
+  </mc:AlternateContent>
+</p:sld>
+</file>
+
+<file path=ppt/slides/slide8.xml><?xml version="1.0" encoding="utf-8"?>
 <p:sld xmlns:a="http://schemas.openxmlformats.org/drawingml/2006/main" xmlns:r="http://schemas.openxmlformats.org/officeDocument/2006/relationships" xmlns:p="http://schemas.openxmlformats.org/presentationml/2006/main">
   <p:cSld>
     <p:spTree>
@@ -8595,11 +9424,12 @@
 </file>
 
 <file path=customXml/item1.xml><?xml version="1.0" encoding="utf-8"?>
-<p:properties xmlns:p="http://schemas.microsoft.com/office/2006/metadata/properties" xmlns:xsi="http://www.w3.org/2001/XMLSchema-instance" xmlns:pc="http://schemas.microsoft.com/office/infopath/2007/PartnerControls">
-  <documentManagement>
-    <_activity xmlns="92c41bee-f0ee-4aa6-9399-a35fbb883510" xsi:nil="true"/>
-  </documentManagement>
-</p:properties>
+<?mso-contentType ?>
+<FormTemplates xmlns="http://schemas.microsoft.com/sharepoint/v3/contenttype/forms">
+  <Display>DocumentLibraryForm</Display>
+  <Edit>DocumentLibraryForm</Edit>
+  <New>DocumentLibraryForm</New>
+</FormTemplates>
 </file>
 
 <file path=customXml/item2.xml><?xml version="1.0" encoding="utf-8"?>
@@ -8838,27 +9668,17 @@
 </file>
 
 <file path=customXml/item3.xml><?xml version="1.0" encoding="utf-8"?>
-<?mso-contentType ?>
-<FormTemplates xmlns="http://schemas.microsoft.com/sharepoint/v3/contenttype/forms">
-  <Display>DocumentLibraryForm</Display>
-  <Edit>DocumentLibraryForm</Edit>
-  <New>DocumentLibraryForm</New>
-</FormTemplates>
+<p:properties xmlns:p="http://schemas.microsoft.com/office/2006/metadata/properties" xmlns:xsi="http://www.w3.org/2001/XMLSchema-instance" xmlns:pc="http://schemas.microsoft.com/office/infopath/2007/PartnerControls">
+  <documentManagement>
+    <_activity xmlns="92c41bee-f0ee-4aa6-9399-a35fbb883510" xsi:nil="true"/>
+  </documentManagement>
+</p:properties>
 </file>
 
 <file path=customXml/itemProps1.xml><?xml version="1.0" encoding="utf-8"?>
-<ds:datastoreItem xmlns:ds="http://schemas.openxmlformats.org/officeDocument/2006/customXml" ds:itemID="{3725A9E8-C5BD-4292-8D2D-F156F952E4A9}">
+<ds:datastoreItem xmlns:ds="http://schemas.openxmlformats.org/officeDocument/2006/customXml" ds:itemID="{C3A2A64B-D26D-4451-9EC1-33FC9BDF211A}">
   <ds:schemaRefs>
-    <ds:schemaRef ds:uri="http://purl.org/dc/terms/"/>
-    <ds:schemaRef ds:uri="http://purl.org/dc/dcmitype/"/>
-    <ds:schemaRef ds:uri="http://www.w3.org/XML/1998/namespace"/>
-    <ds:schemaRef ds:uri="http://schemas.microsoft.com/office/2006/metadata/properties"/>
-    <ds:schemaRef ds:uri="e06ed288-fd75-4b50-bbed-f5a5df88c31c"/>
-    <ds:schemaRef ds:uri="http://schemas.microsoft.com/office/infopath/2007/PartnerControls"/>
-    <ds:schemaRef ds:uri="http://purl.org/dc/elements/1.1/"/>
-    <ds:schemaRef ds:uri="http://schemas.microsoft.com/office/2006/documentManagement/types"/>
-    <ds:schemaRef ds:uri="http://schemas.openxmlformats.org/package/2006/metadata/core-properties"/>
-    <ds:schemaRef ds:uri="92c41bee-f0ee-4aa6-9399-a35fbb883510"/>
+    <ds:schemaRef ds:uri="http://schemas.microsoft.com/sharepoint/v3/contenttype/forms"/>
   </ds:schemaRefs>
 </ds:datastoreItem>
 </file>
@@ -8883,9 +9703,18 @@
 </file>
 
 <file path=customXml/itemProps3.xml><?xml version="1.0" encoding="utf-8"?>
-<ds:datastoreItem xmlns:ds="http://schemas.openxmlformats.org/officeDocument/2006/customXml" ds:itemID="{C3A2A64B-D26D-4451-9EC1-33FC9BDF211A}">
+<ds:datastoreItem xmlns:ds="http://schemas.openxmlformats.org/officeDocument/2006/customXml" ds:itemID="{3725A9E8-C5BD-4292-8D2D-F156F952E4A9}">
   <ds:schemaRefs>
-    <ds:schemaRef ds:uri="http://schemas.microsoft.com/sharepoint/v3/contenttype/forms"/>
+    <ds:schemaRef ds:uri="http://schemas.microsoft.com/office/2006/documentManagement/types"/>
+    <ds:schemaRef ds:uri="92c41bee-f0ee-4aa6-9399-a35fbb883510"/>
+    <ds:schemaRef ds:uri="http://schemas.microsoft.com/office/infopath/2007/PartnerControls"/>
+    <ds:schemaRef ds:uri="http://purl.org/dc/elements/1.1/"/>
+    <ds:schemaRef ds:uri="http://schemas.microsoft.com/office/2006/metadata/properties"/>
+    <ds:schemaRef ds:uri="http://www.w3.org/XML/1998/namespace"/>
+    <ds:schemaRef ds:uri="http://schemas.openxmlformats.org/package/2006/metadata/core-properties"/>
+    <ds:schemaRef ds:uri="e06ed288-fd75-4b50-bbed-f5a5df88c31c"/>
+    <ds:schemaRef ds:uri="http://purl.org/dc/dcmitype/"/>
+    <ds:schemaRef ds:uri="http://purl.org/dc/terms/"/>
   </ds:schemaRefs>
 </ds:datastoreItem>
 </file>